--- a/ppt/title.pptx
+++ b/ppt/title.pptx
@@ -3,9 +3,10 @@
 <p:presentation xmlns:a="http://schemas.openxmlformats.org/drawingml/2006/main" xmlns:r="http://schemas.openxmlformats.org/officeDocument/2006/relationships" xmlns:p="http://schemas.openxmlformats.org/presentationml/2006/main">
   <p:sldMasterIdLst>
     <p:sldMasterId id="2147483650" r:id="rId1"/>
+    <p:sldMasterId id="2147483654" r:id="rId2"/>
   </p:sldMasterIdLst>
   <p:sldIdLst>
-    <p:sldId id="257" r:id="rId2"/>
+    <p:sldId id="257" r:id="rId3"/>
   </p:sldIdLst>
   <p:sldSz cx="10080625" cy="7559675"/>
   <p:notesSz cx="7559675" cy="10691813"/>
@@ -408,6 +409,123 @@
 </p:sldLayout>
 </file>
 
+<file path=ppt/slideLayouts/slideLayout2.xml><?xml version="1.0" encoding="utf-8"?>
+<p:sldLayout xmlns:a="http://schemas.openxmlformats.org/drawingml/2006/main" xmlns:r="http://schemas.openxmlformats.org/officeDocument/2006/relationships" xmlns:p="http://schemas.openxmlformats.org/presentationml/2006/main" type="tx" preserve="1">
+  <p:cSld name="标题4">
+    <p:spTree>
+      <p:nvGrpSpPr>
+        <p:cNvPr id="1" name=""/>
+        <p:cNvGrpSpPr/>
+        <p:nvPr/>
+      </p:nvGrpSpPr>
+      <p:grpSpPr>
+        <a:xfrm>
+          <a:off x="0" y="0"/>
+          <a:ext cx="0" cy="0"/>
+          <a:chOff x="0" y="0"/>
+          <a:chExt cx="0" cy="0"/>
+        </a:xfrm>
+      </p:grpSpPr>
+      <p:sp>
+        <p:nvSpPr>
+          <p:cNvPr id="12" name="PlaceHolder 1"/>
+          <p:cNvSpPr>
+            <a:spLocks noGrp="1"/>
+          </p:cNvSpPr>
+          <p:nvPr>
+            <p:ph type="title"/>
+          </p:nvPr>
+        </p:nvSpPr>
+        <p:spPr>
+          <a:xfrm>
+            <a:off x="456840" y="549000"/>
+            <a:ext cx="7310880" cy="910080"/>
+          </a:xfrm>
+          <a:prstGeom prst="rect">
+            <a:avLst/>
+          </a:prstGeom>
+          <a:noFill/>
+          <a:ln w="0">
+            <a:noFill/>
+          </a:ln>
+        </p:spPr>
+        <p:txBody>
+          <a:bodyPr lIns="0" tIns="0" rIns="0" bIns="0" anchor="ctr">
+            <a:noAutofit/>
+          </a:bodyPr>
+          <a:lstStyle/>
+          <a:p>
+            <a:pPr indent="0" algn="ctr">
+              <a:buNone/>
+            </a:pPr>
+            <a:endParaRPr lang="en-US" sz="4400" b="0" u="none" strike="noStrike">
+              <a:solidFill>
+                <a:srgbClr val="000000"/>
+              </a:solidFill>
+              <a:uFillTx/>
+              <a:latin typeface="Arial"/>
+            </a:endParaRPr>
+          </a:p>
+        </p:txBody>
+      </p:sp>
+      <p:sp>
+        <p:nvSpPr>
+          <p:cNvPr id="13" name="PlaceHolder 2"/>
+          <p:cNvSpPr>
+            <a:spLocks noGrp="1"/>
+          </p:cNvSpPr>
+          <p:nvPr>
+            <p:ph/>
+          </p:nvPr>
+        </p:nvSpPr>
+        <p:spPr>
+          <a:xfrm>
+            <a:off x="456840" y="1828440"/>
+            <a:ext cx="9139680" cy="4567680"/>
+          </a:xfrm>
+          <a:prstGeom prst="rect">
+            <a:avLst/>
+          </a:prstGeom>
+          <a:noFill/>
+          <a:ln w="0">
+            <a:noFill/>
+          </a:ln>
+        </p:spPr>
+        <p:txBody>
+          <a:bodyPr lIns="0" tIns="0" rIns="0" bIns="0" anchor="t">
+            <a:normAutofit/>
+          </a:bodyPr>
+          <a:lstStyle/>
+          <a:p>
+            <a:pPr indent="0">
+              <a:spcBef>
+                <a:spcPts val="1417"/>
+              </a:spcBef>
+              <a:buNone/>
+            </a:pPr>
+            <a:endParaRPr lang="en-US" sz="3200" b="0" u="none" strike="noStrike">
+              <a:solidFill>
+                <a:srgbClr val="000000"/>
+              </a:solidFill>
+              <a:uFillTx/>
+              <a:latin typeface="Arial"/>
+            </a:endParaRPr>
+          </a:p>
+        </p:txBody>
+      </p:sp>
+    </p:spTree>
+    <p:extLst>
+      <p:ext uri="{BB962C8B-B14F-4D97-AF65-F5344CB8AC3E}">
+        <p14:creationId xmlns:p14="http://schemas.microsoft.com/office/powerpoint/2010/main" val="1962268477"/>
+      </p:ext>
+    </p:extLst>
+  </p:cSld>
+  <p:clrMapOvr>
+    <a:masterClrMapping/>
+  </p:clrMapOvr>
+</p:sldLayout>
+</file>
+
 <file path=ppt/slideMasters/slideMaster1.xml><?xml version="1.0" encoding="utf-8"?>
 <p:sldMaster xmlns:a="http://schemas.openxmlformats.org/drawingml/2006/main" xmlns:r="http://schemas.openxmlformats.org/officeDocument/2006/relationships" xmlns:p="http://schemas.openxmlformats.org/presentationml/2006/main" preserve="1">
   <p:cSld>
@@ -2233,6 +2351,1254 @@
           <a:ea typeface="Arial"/>
           <a:cs typeface="Arial"/>
           <a:sym typeface="Arial"/>
+        </a:defRPr>
+      </a:lvl9pPr>
+    </p:otherStyle>
+  </p:txStyles>
+</p:sldMaster>
+</file>
+
+<file path=ppt/slideMasters/slideMaster2.xml><?xml version="1.0" encoding="utf-8"?>
+<p:sldMaster xmlns:a="http://schemas.openxmlformats.org/drawingml/2006/main" xmlns:r="http://schemas.openxmlformats.org/officeDocument/2006/relationships" xmlns:p="http://schemas.openxmlformats.org/presentationml/2006/main" preserve="1">
+  <p:cSld>
+    <p:bg>
+      <p:bgPr>
+        <a:solidFill>
+          <a:srgbClr val="FFFFFF"/>
+        </a:solidFill>
+        <a:effectLst/>
+      </p:bgPr>
+    </p:bg>
+    <p:spTree>
+      <p:nvGrpSpPr>
+        <p:cNvPr id="1" name=""/>
+        <p:cNvGrpSpPr/>
+        <p:nvPr/>
+      </p:nvGrpSpPr>
+      <p:grpSpPr>
+        <a:xfrm>
+          <a:off x="0" y="0"/>
+          <a:ext cx="0" cy="0"/>
+          <a:chOff x="0" y="0"/>
+          <a:chExt cx="0" cy="0"/>
+        </a:xfrm>
+      </p:grpSpPr>
+      <p:sp>
+        <p:nvSpPr>
+          <p:cNvPr id="12" name="矩形 11"/>
+          <p:cNvSpPr/>
+          <p:nvPr/>
+        </p:nvSpPr>
+        <p:spPr>
+          <a:xfrm flipV="1">
+            <a:off x="236520" y="203400"/>
+            <a:ext cx="9539640" cy="153000"/>
+          </a:xfrm>
+          <a:prstGeom prst="rect">
+            <a:avLst/>
+          </a:prstGeom>
+          <a:solidFill>
+            <a:srgbClr val="075578"/>
+          </a:solidFill>
+          <a:ln w="9360">
+            <a:solidFill>
+              <a:srgbClr val="075578"/>
+            </a:solidFill>
+            <a:round/>
+          </a:ln>
+        </p:spPr>
+        <p:style>
+          <a:lnRef idx="0">
+            <a:scrgbClr r="0" g="0" b="0"/>
+          </a:lnRef>
+          <a:fillRef idx="0">
+            <a:scrgbClr r="0" g="0" b="0"/>
+          </a:fillRef>
+          <a:effectRef idx="0">
+            <a:scrgbClr r="0" g="0" b="0"/>
+          </a:effectRef>
+          <a:fontRef idx="minor"/>
+        </p:style>
+        <p:txBody>
+          <a:bodyPr wrap="none" lIns="90000" tIns="46800" rIns="90000" bIns="46800" anchor="ctr">
+            <a:noAutofit/>
+          </a:bodyPr>
+          <a:lstStyle/>
+          <a:p>
+            <a:pPr>
+              <a:lnSpc>
+                <a:spcPct val="93000"/>
+              </a:lnSpc>
+              <a:spcBef>
+                <a:spcPts val="26"/>
+              </a:spcBef>
+              <a:spcAft>
+                <a:spcPts val="26"/>
+              </a:spcAft>
+              <a:tabLst>
+                <a:tab pos="0" algn="l"/>
+              </a:tabLst>
+            </a:pPr>
+            <a:endParaRPr lang="en-US" sz="1800" b="0" u="none" strike="noStrike">
+              <a:solidFill>
+                <a:srgbClr val="000000"/>
+              </a:solidFill>
+              <a:uFillTx/>
+              <a:latin typeface="Arial"/>
+              <a:ea typeface="DejaVu Sans"/>
+            </a:endParaRPr>
+          </a:p>
+        </p:txBody>
+      </p:sp>
+      <p:sp>
+        <p:nvSpPr>
+          <p:cNvPr id="13" name="矩形 12"/>
+          <p:cNvSpPr/>
+          <p:nvPr/>
+        </p:nvSpPr>
+        <p:spPr>
+          <a:xfrm>
+            <a:off x="5943600" y="7077600"/>
+            <a:ext cx="694080" cy="255960"/>
+          </a:xfrm>
+          <a:prstGeom prst="rect">
+            <a:avLst/>
+          </a:prstGeom>
+          <a:noFill/>
+          <a:ln w="0">
+            <a:noFill/>
+          </a:ln>
+        </p:spPr>
+        <p:style>
+          <a:lnRef idx="0">
+            <a:scrgbClr r="0" g="0" b="0"/>
+          </a:lnRef>
+          <a:fillRef idx="0">
+            <a:scrgbClr r="0" g="0" b="0"/>
+          </a:fillRef>
+          <a:effectRef idx="0">
+            <a:scrgbClr r="0" g="0" b="0"/>
+          </a:effectRef>
+          <a:fontRef idx="minor"/>
+        </p:style>
+        <p:txBody>
+          <a:bodyPr wrap="none" lIns="90000" tIns="45000" rIns="90000" bIns="45000" anchor="t">
+            <a:noAutofit/>
+          </a:bodyPr>
+          <a:lstStyle/>
+          <a:p>
+            <a:pPr>
+              <a:lnSpc>
+                <a:spcPct val="100000"/>
+              </a:lnSpc>
+              <a:spcBef>
+                <a:spcPts val="26"/>
+              </a:spcBef>
+              <a:spcAft>
+                <a:spcPts val="26"/>
+              </a:spcAft>
+              <a:tabLst>
+                <a:tab pos="0" algn="l"/>
+              </a:tabLst>
+            </a:pPr>
+            <a:fld id="{00BBAA12-D779-4D1E-A8BF-4A2BB1C21117}" type="slidenum">
+              <a:rPr lang="en-US" sz="1200" b="0" u="none" strike="noStrike">
+                <a:solidFill>
+                  <a:srgbClr val="000000"/>
+                </a:solidFill>
+                <a:uFillTx/>
+                <a:latin typeface="Arial"/>
+                <a:ea typeface="DejaVu Sans"/>
+              </a:rPr>
+              <a:t>‹#›</a:t>
+            </a:fld>
+            <a:endParaRPr lang="en-US" sz="1200" b="0" u="none" strike="noStrike">
+              <a:solidFill>
+                <a:srgbClr val="000000"/>
+              </a:solidFill>
+              <a:uFillTx/>
+              <a:latin typeface="Arial"/>
+            </a:endParaRPr>
+          </a:p>
+        </p:txBody>
+      </p:sp>
+      <p:sp>
+        <p:nvSpPr>
+          <p:cNvPr id="2" name="直接连接符 1"/>
+          <p:cNvSpPr/>
+          <p:nvPr/>
+        </p:nvSpPr>
+        <p:spPr>
+          <a:xfrm>
+            <a:off x="236520" y="407880"/>
+            <a:ext cx="9539280" cy="1800"/>
+          </a:xfrm>
+          <a:prstGeom prst="line">
+            <a:avLst/>
+          </a:prstGeom>
+          <a:ln w="9000">
+            <a:solidFill>
+              <a:srgbClr val="000000"/>
+            </a:solidFill>
+            <a:round/>
+          </a:ln>
+        </p:spPr>
+        <p:style>
+          <a:lnRef idx="0">
+            <a:scrgbClr r="0" g="0" b="0"/>
+          </a:lnRef>
+          <a:fillRef idx="0">
+            <a:scrgbClr r="0" g="0" b="0"/>
+          </a:fillRef>
+          <a:effectRef idx="0">
+            <a:scrgbClr r="0" g="0" b="0"/>
+          </a:effectRef>
+          <a:fontRef idx="minor"/>
+        </p:style>
+        <p:txBody>
+          <a:bodyPr lIns="90000" tIns="-45000" rIns="90000" bIns="-45000" anchor="t">
+            <a:noAutofit/>
+          </a:bodyPr>
+          <a:lstStyle/>
+          <a:p>
+            <a:endParaRPr lang="en-US" sz="1800" b="0" u="none" strike="noStrike">
+              <a:solidFill>
+                <a:srgbClr val="000000"/>
+              </a:solidFill>
+              <a:uFillTx/>
+              <a:latin typeface="Arial"/>
+              <a:ea typeface="DejaVu Sans"/>
+            </a:endParaRPr>
+          </a:p>
+        </p:txBody>
+      </p:sp>
+      <p:sp>
+        <p:nvSpPr>
+          <p:cNvPr id="3" name="直接连接符 2"/>
+          <p:cNvSpPr/>
+          <p:nvPr/>
+        </p:nvSpPr>
+        <p:spPr>
+          <a:xfrm>
+            <a:off x="236520" y="1595520"/>
+            <a:ext cx="9539280" cy="1440"/>
+          </a:xfrm>
+          <a:prstGeom prst="line">
+            <a:avLst/>
+          </a:prstGeom>
+          <a:ln w="9000">
+            <a:solidFill>
+              <a:srgbClr val="000000"/>
+            </a:solidFill>
+            <a:round/>
+          </a:ln>
+        </p:spPr>
+        <p:style>
+          <a:lnRef idx="0">
+            <a:scrgbClr r="0" g="0" b="0"/>
+          </a:lnRef>
+          <a:fillRef idx="0">
+            <a:scrgbClr r="0" g="0" b="0"/>
+          </a:fillRef>
+          <a:effectRef idx="0">
+            <a:scrgbClr r="0" g="0" b="0"/>
+          </a:effectRef>
+          <a:fontRef idx="minor"/>
+        </p:style>
+        <p:txBody>
+          <a:bodyPr lIns="90000" tIns="-45360" rIns="90000" bIns="-45360" anchor="t">
+            <a:noAutofit/>
+          </a:bodyPr>
+          <a:lstStyle/>
+          <a:p>
+            <a:endParaRPr lang="en-US" sz="1800" b="0" u="none" strike="noStrike">
+              <a:solidFill>
+                <a:srgbClr val="000000"/>
+              </a:solidFill>
+              <a:uFillTx/>
+              <a:latin typeface="Arial"/>
+              <a:ea typeface="DejaVu Sans"/>
+            </a:endParaRPr>
+          </a:p>
+        </p:txBody>
+      </p:sp>
+      <p:pic>
+        <p:nvPicPr>
+          <p:cNvPr id="4" name="图片 3"/>
+          <p:cNvPicPr/>
+          <p:nvPr/>
+        </p:nvPicPr>
+        <p:blipFill>
+          <a:blip r:embed="rId3"/>
+          <a:stretch/>
+        </p:blipFill>
+        <p:spPr>
+          <a:xfrm>
+            <a:off x="7365960" y="7116840"/>
+            <a:ext cx="2358000" cy="378360"/>
+          </a:xfrm>
+          <a:prstGeom prst="rect">
+            <a:avLst/>
+          </a:prstGeom>
+          <a:ln w="0">
+            <a:noFill/>
+          </a:ln>
+        </p:spPr>
+      </p:pic>
+      <p:pic>
+        <p:nvPicPr>
+          <p:cNvPr id="5" name="图片 4"/>
+          <p:cNvPicPr/>
+          <p:nvPr/>
+        </p:nvPicPr>
+        <p:blipFill>
+          <a:blip r:embed="rId4"/>
+          <a:stretch/>
+        </p:blipFill>
+        <p:spPr>
+          <a:xfrm>
+            <a:off x="7845480" y="541440"/>
+            <a:ext cx="2219760" cy="916560"/>
+          </a:xfrm>
+          <a:prstGeom prst="rect">
+            <a:avLst/>
+          </a:prstGeom>
+          <a:ln w="0">
+            <a:noFill/>
+          </a:ln>
+        </p:spPr>
+      </p:pic>
+      <p:sp>
+        <p:nvSpPr>
+          <p:cNvPr id="6" name="矩形 5"/>
+          <p:cNvSpPr/>
+          <p:nvPr/>
+        </p:nvSpPr>
+        <p:spPr>
+          <a:xfrm>
+            <a:off x="260280" y="7078680"/>
+            <a:ext cx="1083240" cy="265680"/>
+          </a:xfrm>
+          <a:prstGeom prst="rect">
+            <a:avLst/>
+          </a:prstGeom>
+          <a:noFill/>
+          <a:ln w="0">
+            <a:noFill/>
+          </a:ln>
+        </p:spPr>
+        <p:style>
+          <a:lnRef idx="0">
+            <a:scrgbClr r="0" g="0" b="0"/>
+          </a:lnRef>
+          <a:fillRef idx="0">
+            <a:scrgbClr r="0" g="0" b="0"/>
+          </a:fillRef>
+          <a:effectRef idx="0">
+            <a:scrgbClr r="0" g="0" b="0"/>
+          </a:effectRef>
+          <a:fontRef idx="minor"/>
+        </p:style>
+        <p:txBody>
+          <a:bodyPr lIns="90000" tIns="45000" rIns="90000" bIns="45000" anchor="t">
+            <a:noAutofit/>
+          </a:bodyPr>
+          <a:lstStyle/>
+          <a:p>
+            <a:pPr>
+              <a:lnSpc>
+                <a:spcPct val="100000"/>
+              </a:lnSpc>
+              <a:spcBef>
+                <a:spcPts val="74"/>
+              </a:spcBef>
+              <a:spcAft>
+                <a:spcPts val="26"/>
+              </a:spcAft>
+              <a:tabLst>
+                <a:tab pos="0" algn="l"/>
+                <a:tab pos="914400" algn="l"/>
+                <a:tab pos="1828800" algn="l"/>
+                <a:tab pos="2743200" algn="l"/>
+                <a:tab pos="3657600" algn="l"/>
+                <a:tab pos="4572000" algn="l"/>
+                <a:tab pos="5486400" algn="l"/>
+                <a:tab pos="6400800" algn="l"/>
+                <a:tab pos="7315200" algn="l"/>
+                <a:tab pos="8229600" algn="l"/>
+                <a:tab pos="9144000" algn="l"/>
+                <a:tab pos="10058400" algn="l"/>
+                <a:tab pos="10333080" algn="l"/>
+                <a:tab pos="10782360" algn="l"/>
+              </a:tabLst>
+            </a:pPr>
+            <a:r>
+              <a:rPr lang="en-US" sz="1200" b="0" u="none" strike="noStrike" dirty="0">
+                <a:solidFill>
+                  <a:srgbClr val="000000"/>
+                </a:solidFill>
+                <a:uFillTx/>
+                <a:latin typeface="Arial"/>
+                <a:ea typeface="DejaVu Sans"/>
+              </a:rPr>
+              <a:t>05.12.2025 | 	</a:t>
+            </a:r>
+            <a:endParaRPr lang="en-US" sz="1200" b="0" u="none" strike="noStrike" dirty="0">
+              <a:solidFill>
+                <a:srgbClr val="000000"/>
+              </a:solidFill>
+              <a:uFillTx/>
+              <a:latin typeface="Arial"/>
+            </a:endParaRPr>
+          </a:p>
+        </p:txBody>
+      </p:sp>
+      <p:sp>
+        <p:nvSpPr>
+          <p:cNvPr id="7" name="矩形 6"/>
+          <p:cNvSpPr/>
+          <p:nvPr/>
+        </p:nvSpPr>
+        <p:spPr>
+          <a:xfrm>
+            <a:off x="1158840" y="7078680"/>
+            <a:ext cx="3624840" cy="435600"/>
+          </a:xfrm>
+          <a:prstGeom prst="rect">
+            <a:avLst/>
+          </a:prstGeom>
+          <a:noFill/>
+          <a:ln w="0">
+            <a:noFill/>
+          </a:ln>
+        </p:spPr>
+        <p:style>
+          <a:lnRef idx="0">
+            <a:scrgbClr r="0" g="0" b="0"/>
+          </a:lnRef>
+          <a:fillRef idx="0">
+            <a:scrgbClr r="0" g="0" b="0"/>
+          </a:fillRef>
+          <a:effectRef idx="0">
+            <a:scrgbClr r="0" g="0" b="0"/>
+          </a:effectRef>
+          <a:fontRef idx="minor"/>
+        </p:style>
+        <p:txBody>
+          <a:bodyPr lIns="90000" tIns="45000" rIns="90000" bIns="45000" anchor="t">
+            <a:noAutofit/>
+          </a:bodyPr>
+          <a:lstStyle/>
+          <a:p>
+            <a:pPr>
+              <a:lnSpc>
+                <a:spcPct val="100000"/>
+              </a:lnSpc>
+              <a:spcBef>
+                <a:spcPts val="1191"/>
+              </a:spcBef>
+              <a:spcAft>
+                <a:spcPts val="992"/>
+              </a:spcAft>
+              <a:tabLst>
+                <a:tab pos="0" algn="l"/>
+                <a:tab pos="914400" algn="l"/>
+                <a:tab pos="1828800" algn="l"/>
+                <a:tab pos="2743200" algn="l"/>
+                <a:tab pos="3657600" algn="l"/>
+                <a:tab pos="4572000" algn="l"/>
+                <a:tab pos="5486400" algn="l"/>
+                <a:tab pos="6400800" algn="l"/>
+                <a:tab pos="7315200" algn="l"/>
+                <a:tab pos="8229600" algn="l"/>
+                <a:tab pos="9144000" algn="l"/>
+                <a:tab pos="10058400" algn="l"/>
+                <a:tab pos="10333080" algn="l"/>
+                <a:tab pos="10782360" algn="l"/>
+              </a:tabLst>
+            </a:pPr>
+            <a:r>
+              <a:rPr lang="en-US" sz="1200" b="0" u="none" strike="noStrike" dirty="0">
+                <a:solidFill>
+                  <a:srgbClr val="000000"/>
+                </a:solidFill>
+                <a:uFillTx/>
+                <a:latin typeface="Arial"/>
+                <a:ea typeface="DejaVu Sans"/>
+              </a:rPr>
+              <a:t>Charging Station Upgrade to OCPP Communication for Smart Charging </a:t>
+            </a:r>
+            <a:endParaRPr lang="en-US" sz="1200" b="0" u="none" strike="noStrike" dirty="0">
+              <a:solidFill>
+                <a:srgbClr val="000000"/>
+              </a:solidFill>
+              <a:uFillTx/>
+              <a:latin typeface="Arial"/>
+            </a:endParaRPr>
+          </a:p>
+        </p:txBody>
+      </p:sp>
+      <p:sp>
+        <p:nvSpPr>
+          <p:cNvPr id="8" name="矩形 7"/>
+          <p:cNvSpPr/>
+          <p:nvPr/>
+        </p:nvSpPr>
+        <p:spPr>
+          <a:xfrm>
+            <a:off x="3620880" y="7077600"/>
+            <a:ext cx="1972440" cy="417960"/>
+          </a:xfrm>
+          <a:prstGeom prst="rect">
+            <a:avLst/>
+          </a:prstGeom>
+          <a:noFill/>
+          <a:ln w="0">
+            <a:noFill/>
+          </a:ln>
+        </p:spPr>
+        <p:style>
+          <a:lnRef idx="0">
+            <a:scrgbClr r="0" g="0" b="0"/>
+          </a:lnRef>
+          <a:fillRef idx="0">
+            <a:scrgbClr r="0" g="0" b="0"/>
+          </a:fillRef>
+          <a:effectRef idx="0">
+            <a:scrgbClr r="0" g="0" b="0"/>
+          </a:effectRef>
+          <a:fontRef idx="minor"/>
+        </p:style>
+        <p:txBody>
+          <a:bodyPr wrap="none" lIns="90000" tIns="45000" rIns="90000" bIns="45000" anchor="t">
+            <a:noAutofit/>
+          </a:bodyPr>
+          <a:lstStyle/>
+          <a:p>
+            <a:pPr>
+              <a:lnSpc>
+                <a:spcPct val="100000"/>
+              </a:lnSpc>
+              <a:spcBef>
+                <a:spcPts val="26"/>
+              </a:spcBef>
+              <a:spcAft>
+                <a:spcPts val="26"/>
+              </a:spcAft>
+              <a:tabLst>
+                <a:tab pos="0" algn="l"/>
+                <a:tab pos="914400" algn="l"/>
+                <a:tab pos="1828800" algn="l"/>
+                <a:tab pos="2743200" algn="l"/>
+                <a:tab pos="3657600" algn="l"/>
+                <a:tab pos="4572000" algn="l"/>
+                <a:tab pos="5486400" algn="l"/>
+                <a:tab pos="6400800" algn="l"/>
+                <a:tab pos="7315200" algn="l"/>
+                <a:tab pos="8229600" algn="l"/>
+                <a:tab pos="9144000" algn="l"/>
+                <a:tab pos="10058400" algn="l"/>
+                <a:tab pos="10333080" algn="l"/>
+                <a:tab pos="10782360" algn="l"/>
+              </a:tabLst>
+            </a:pPr>
+            <a:r>
+              <a:rPr lang="en-US" sz="1200" b="0" u="none" strike="noStrike">
+                <a:solidFill>
+                  <a:srgbClr val="000000"/>
+                </a:solidFill>
+                <a:uFillTx/>
+                <a:latin typeface="Arial"/>
+                <a:ea typeface="DejaVu Sans"/>
+              </a:rPr>
+              <a:t>| Junfan Jin, Can Zeng, </a:t>
+            </a:r>
+            <a:endParaRPr lang="en-US" sz="1200" b="0" u="none" strike="noStrike">
+              <a:solidFill>
+                <a:srgbClr val="000000"/>
+              </a:solidFill>
+              <a:uFillTx/>
+              <a:latin typeface="Arial"/>
+            </a:endParaRPr>
+          </a:p>
+          <a:p>
+            <a:pPr>
+              <a:lnSpc>
+                <a:spcPct val="100000"/>
+              </a:lnSpc>
+              <a:spcBef>
+                <a:spcPts val="26"/>
+              </a:spcBef>
+              <a:spcAft>
+                <a:spcPts val="26"/>
+              </a:spcAft>
+              <a:tabLst>
+                <a:tab pos="0" algn="l"/>
+                <a:tab pos="914400" algn="l"/>
+                <a:tab pos="1828800" algn="l"/>
+                <a:tab pos="2743200" algn="l"/>
+                <a:tab pos="3657600" algn="l"/>
+                <a:tab pos="4572000" algn="l"/>
+                <a:tab pos="5486400" algn="l"/>
+                <a:tab pos="6400800" algn="l"/>
+                <a:tab pos="7315200" algn="l"/>
+                <a:tab pos="8229600" algn="l"/>
+                <a:tab pos="9144000" algn="l"/>
+                <a:tab pos="10058400" algn="l"/>
+                <a:tab pos="10333080" algn="l"/>
+                <a:tab pos="10782360" algn="l"/>
+              </a:tabLst>
+            </a:pPr>
+            <a:r>
+              <a:rPr lang="en-US" sz="1200" b="0" u="none" strike="noStrike">
+                <a:solidFill>
+                  <a:srgbClr val="000000"/>
+                </a:solidFill>
+                <a:uFillTx/>
+                <a:latin typeface="Arial"/>
+                <a:ea typeface="DejaVu Sans"/>
+              </a:rPr>
+              <a:t>  Yunan Jiang, Huang Chen</a:t>
+            </a:r>
+            <a:endParaRPr lang="en-US" sz="1200" b="0" u="none" strike="noStrike">
+              <a:solidFill>
+                <a:srgbClr val="000000"/>
+              </a:solidFill>
+              <a:uFillTx/>
+              <a:latin typeface="Arial"/>
+            </a:endParaRPr>
+          </a:p>
+        </p:txBody>
+      </p:sp>
+      <p:sp>
+        <p:nvSpPr>
+          <p:cNvPr id="9" name="直接连接符 8"/>
+          <p:cNvSpPr/>
+          <p:nvPr/>
+        </p:nvSpPr>
+        <p:spPr>
+          <a:xfrm>
+            <a:off x="239760" y="7032600"/>
+            <a:ext cx="9539280" cy="1440"/>
+          </a:xfrm>
+          <a:prstGeom prst="line">
+            <a:avLst/>
+          </a:prstGeom>
+          <a:ln w="9000">
+            <a:solidFill>
+              <a:srgbClr val="000000"/>
+            </a:solidFill>
+            <a:round/>
+          </a:ln>
+        </p:spPr>
+        <p:style>
+          <a:lnRef idx="0">
+            <a:scrgbClr r="0" g="0" b="0"/>
+          </a:lnRef>
+          <a:fillRef idx="0">
+            <a:scrgbClr r="0" g="0" b="0"/>
+          </a:fillRef>
+          <a:effectRef idx="0">
+            <a:scrgbClr r="0" g="0" b="0"/>
+          </a:effectRef>
+          <a:fontRef idx="minor"/>
+        </p:style>
+        <p:txBody>
+          <a:bodyPr lIns="90000" tIns="-45360" rIns="90000" bIns="-45360" anchor="t">
+            <a:noAutofit/>
+          </a:bodyPr>
+          <a:lstStyle/>
+          <a:p>
+            <a:endParaRPr lang="en-US" sz="1800" b="0" u="none" strike="noStrike">
+              <a:solidFill>
+                <a:srgbClr val="000000"/>
+              </a:solidFill>
+              <a:uFillTx/>
+              <a:latin typeface="Arial"/>
+              <a:ea typeface="DejaVu Sans"/>
+            </a:endParaRPr>
+          </a:p>
+        </p:txBody>
+      </p:sp>
+      <p:sp>
+        <p:nvSpPr>
+          <p:cNvPr id="10" name="PlaceHolder 1"/>
+          <p:cNvSpPr>
+            <a:spLocks noGrp="1"/>
+          </p:cNvSpPr>
+          <p:nvPr>
+            <p:ph type="title"/>
+          </p:nvPr>
+        </p:nvSpPr>
+        <p:spPr>
+          <a:xfrm>
+            <a:off x="456840" y="549000"/>
+            <a:ext cx="7310880" cy="910080"/>
+          </a:xfrm>
+          <a:prstGeom prst="rect">
+            <a:avLst/>
+          </a:prstGeom>
+          <a:noFill/>
+          <a:ln w="0">
+            <a:noFill/>
+          </a:ln>
+        </p:spPr>
+        <p:txBody>
+          <a:bodyPr lIns="0" tIns="0" rIns="0" bIns="0" anchor="ctr">
+            <a:noAutofit/>
+          </a:bodyPr>
+          <a:lstStyle/>
+          <a:p>
+            <a:pPr indent="0">
+              <a:buNone/>
+            </a:pPr>
+            <a:r>
+              <a:rPr lang="zh-CN" sz="1800" b="0" u="none" strike="noStrike">
+                <a:solidFill>
+                  <a:srgbClr val="000000"/>
+                </a:solidFill>
+                <a:uFillTx/>
+                <a:latin typeface="Arial"/>
+              </a:rPr>
+              <a:t>单击以编辑标题文本格式</a:t>
+            </a:r>
+            <a:endParaRPr lang="en-US" sz="1800" b="0" u="none" strike="noStrike">
+              <a:solidFill>
+                <a:srgbClr val="000000"/>
+              </a:solidFill>
+              <a:uFillTx/>
+              <a:latin typeface="Arial"/>
+            </a:endParaRPr>
+          </a:p>
+        </p:txBody>
+      </p:sp>
+      <p:sp>
+        <p:nvSpPr>
+          <p:cNvPr id="11" name="PlaceHolder 2"/>
+          <p:cNvSpPr>
+            <a:spLocks noGrp="1"/>
+          </p:cNvSpPr>
+          <p:nvPr>
+            <p:ph type="body"/>
+          </p:nvPr>
+        </p:nvSpPr>
+        <p:spPr>
+          <a:xfrm>
+            <a:off x="456840" y="1828440"/>
+            <a:ext cx="9139680" cy="4567680"/>
+          </a:xfrm>
+          <a:prstGeom prst="rect">
+            <a:avLst/>
+          </a:prstGeom>
+          <a:noFill/>
+          <a:ln w="0">
+            <a:noFill/>
+          </a:ln>
+        </p:spPr>
+        <p:txBody>
+          <a:bodyPr lIns="0" tIns="0" rIns="0" bIns="0" anchor="t">
+            <a:normAutofit/>
+          </a:bodyPr>
+          <a:lstStyle/>
+          <a:p>
+            <a:pPr marL="432000" indent="-324000">
+              <a:spcBef>
+                <a:spcPts val="1417"/>
+              </a:spcBef>
+              <a:buClr>
+                <a:srgbClr val="000000"/>
+              </a:buClr>
+              <a:buSzPct val="45000"/>
+              <a:buFont typeface="Wingdings" charset="2"/>
+              <a:buChar char=""/>
+            </a:pPr>
+            <a:r>
+              <a:rPr lang="zh-CN" sz="1800" b="0" u="none" strike="noStrike">
+                <a:solidFill>
+                  <a:srgbClr val="000000"/>
+                </a:solidFill>
+                <a:uFillTx/>
+                <a:latin typeface="Arial"/>
+              </a:rPr>
+              <a:t>点击以编辑提纲文本格式</a:t>
+            </a:r>
+            <a:endParaRPr lang="en-US" sz="1800" b="0" u="none" strike="noStrike">
+              <a:solidFill>
+                <a:srgbClr val="000000"/>
+              </a:solidFill>
+              <a:uFillTx/>
+              <a:latin typeface="Arial"/>
+            </a:endParaRPr>
+          </a:p>
+          <a:p>
+            <a:pPr marL="864000" lvl="1" indent="-324000">
+              <a:spcBef>
+                <a:spcPts val="1134"/>
+              </a:spcBef>
+              <a:buClr>
+                <a:srgbClr val="000000"/>
+              </a:buClr>
+              <a:buSzPct val="75000"/>
+              <a:buFont typeface="Symbol" charset="2"/>
+              <a:buChar char=""/>
+            </a:pPr>
+            <a:r>
+              <a:rPr lang="zh-CN" sz="1800" b="0" u="none" strike="noStrike">
+                <a:solidFill>
+                  <a:srgbClr val="000000"/>
+                </a:solidFill>
+                <a:uFillTx/>
+                <a:latin typeface="Arial"/>
+              </a:rPr>
+              <a:t>第二提纲级别</a:t>
+            </a:r>
+            <a:endParaRPr lang="en-US" sz="1800" b="0" u="none" strike="noStrike">
+              <a:solidFill>
+                <a:srgbClr val="000000"/>
+              </a:solidFill>
+              <a:uFillTx/>
+              <a:latin typeface="Arial"/>
+            </a:endParaRPr>
+          </a:p>
+          <a:p>
+            <a:pPr marL="1296000" lvl="2" indent="-288000">
+              <a:spcBef>
+                <a:spcPts val="850"/>
+              </a:spcBef>
+              <a:buClr>
+                <a:srgbClr val="000000"/>
+              </a:buClr>
+              <a:buSzPct val="45000"/>
+              <a:buFont typeface="Wingdings" charset="2"/>
+              <a:buChar char=""/>
+            </a:pPr>
+            <a:r>
+              <a:rPr lang="zh-CN" sz="1800" b="0" u="none" strike="noStrike">
+                <a:solidFill>
+                  <a:srgbClr val="000000"/>
+                </a:solidFill>
+                <a:uFillTx/>
+                <a:latin typeface="Arial"/>
+              </a:rPr>
+              <a:t>第三提纲级别</a:t>
+            </a:r>
+            <a:endParaRPr lang="en-US" sz="1800" b="0" u="none" strike="noStrike">
+              <a:solidFill>
+                <a:srgbClr val="000000"/>
+              </a:solidFill>
+              <a:uFillTx/>
+              <a:latin typeface="Arial"/>
+            </a:endParaRPr>
+          </a:p>
+          <a:p>
+            <a:pPr marL="1728000" lvl="3" indent="-216000">
+              <a:spcBef>
+                <a:spcPts val="567"/>
+              </a:spcBef>
+              <a:buClr>
+                <a:srgbClr val="000000"/>
+              </a:buClr>
+              <a:buSzPct val="75000"/>
+              <a:buFont typeface="Symbol" charset="2"/>
+              <a:buChar char=""/>
+            </a:pPr>
+            <a:r>
+              <a:rPr lang="zh-CN" sz="1800" b="0" u="none" strike="noStrike">
+                <a:solidFill>
+                  <a:srgbClr val="000000"/>
+                </a:solidFill>
+                <a:uFillTx/>
+                <a:latin typeface="Arial"/>
+              </a:rPr>
+              <a:t>第四提纲级别</a:t>
+            </a:r>
+            <a:endParaRPr lang="en-US" sz="1800" b="0" u="none" strike="noStrike">
+              <a:solidFill>
+                <a:srgbClr val="000000"/>
+              </a:solidFill>
+              <a:uFillTx/>
+              <a:latin typeface="Arial"/>
+            </a:endParaRPr>
+          </a:p>
+          <a:p>
+            <a:pPr marL="2160000" lvl="4" indent="-216000">
+              <a:spcBef>
+                <a:spcPts val="283"/>
+              </a:spcBef>
+              <a:buClr>
+                <a:srgbClr val="000000"/>
+              </a:buClr>
+              <a:buSzPct val="45000"/>
+              <a:buFont typeface="Wingdings" charset="2"/>
+              <a:buChar char=""/>
+            </a:pPr>
+            <a:r>
+              <a:rPr lang="zh-CN" sz="1800" b="0" u="none" strike="noStrike">
+                <a:solidFill>
+                  <a:srgbClr val="000000"/>
+                </a:solidFill>
+                <a:uFillTx/>
+                <a:latin typeface="Arial"/>
+              </a:rPr>
+              <a:t>第五提纲级别</a:t>
+            </a:r>
+            <a:endParaRPr lang="en-US" sz="1800" b="0" u="none" strike="noStrike">
+              <a:solidFill>
+                <a:srgbClr val="000000"/>
+              </a:solidFill>
+              <a:uFillTx/>
+              <a:latin typeface="Arial"/>
+            </a:endParaRPr>
+          </a:p>
+          <a:p>
+            <a:pPr marL="2592000" lvl="5" indent="-216000">
+              <a:spcBef>
+                <a:spcPts val="283"/>
+              </a:spcBef>
+              <a:buClr>
+                <a:srgbClr val="000000"/>
+              </a:buClr>
+              <a:buSzPct val="45000"/>
+              <a:buFont typeface="Wingdings" charset="2"/>
+              <a:buChar char=""/>
+            </a:pPr>
+            <a:r>
+              <a:rPr lang="zh-CN" sz="1800" b="0" u="none" strike="noStrike">
+                <a:solidFill>
+                  <a:srgbClr val="000000"/>
+                </a:solidFill>
+                <a:uFillTx/>
+                <a:latin typeface="Arial"/>
+              </a:rPr>
+              <a:t>第六提纲级别</a:t>
+            </a:r>
+            <a:endParaRPr lang="en-US" sz="1800" b="0" u="none" strike="noStrike">
+              <a:solidFill>
+                <a:srgbClr val="000000"/>
+              </a:solidFill>
+              <a:uFillTx/>
+              <a:latin typeface="Arial"/>
+            </a:endParaRPr>
+          </a:p>
+          <a:p>
+            <a:pPr marL="3024000" lvl="6" indent="-216000">
+              <a:spcBef>
+                <a:spcPts val="283"/>
+              </a:spcBef>
+              <a:buClr>
+                <a:srgbClr val="000000"/>
+              </a:buClr>
+              <a:buSzPct val="45000"/>
+              <a:buFont typeface="Wingdings" charset="2"/>
+              <a:buChar char=""/>
+            </a:pPr>
+            <a:r>
+              <a:rPr lang="zh-CN" sz="1800" b="0" u="none" strike="noStrike">
+                <a:solidFill>
+                  <a:srgbClr val="000000"/>
+                </a:solidFill>
+                <a:uFillTx/>
+                <a:latin typeface="Arial"/>
+              </a:rPr>
+              <a:t>第七提纲级别</a:t>
+            </a:r>
+            <a:endParaRPr lang="en-US" sz="1800" b="0" u="none" strike="noStrike">
+              <a:solidFill>
+                <a:srgbClr val="000000"/>
+              </a:solidFill>
+              <a:uFillTx/>
+              <a:latin typeface="Arial"/>
+            </a:endParaRPr>
+          </a:p>
+        </p:txBody>
+      </p:sp>
+    </p:spTree>
+    <p:extLst>
+      <p:ext uri="{BB962C8B-B14F-4D97-AF65-F5344CB8AC3E}">
+        <p14:creationId xmlns:p14="http://schemas.microsoft.com/office/powerpoint/2010/main" val="813393645"/>
+      </p:ext>
+    </p:extLst>
+  </p:cSld>
+  <p:clrMap bg1="lt1" tx1="dk1" bg2="lt2" tx2="dk2" accent1="accent1" accent2="accent2" accent3="accent3" accent4="accent4" accent5="accent5" accent6="accent6" hlink="hlink" folHlink="folHlink"/>
+  <p:sldLayoutIdLst>
+    <p:sldLayoutId id="2147483655" r:id="rId1"/>
+  </p:sldLayoutIdLst>
+  <p:txStyles>
+    <p:titleStyle>
+      <a:lvl1pPr algn="l" defTabSz="914400" rtl="0" eaLnBrk="1" latinLnBrk="0" hangingPunct="1">
+        <a:lnSpc>
+          <a:spcPct val="90000"/>
+        </a:lnSpc>
+        <a:spcBef>
+          <a:spcPct val="0"/>
+        </a:spcBef>
+        <a:buNone/>
+        <a:defRPr sz="4400" kern="1200">
+          <a:solidFill>
+            <a:schemeClr val="tx1"/>
+          </a:solidFill>
+          <a:latin typeface="+mj-lt"/>
+          <a:ea typeface="+mj-ea"/>
+          <a:cs typeface="+mj-cs"/>
+        </a:defRPr>
+      </a:lvl1pPr>
+    </p:titleStyle>
+    <p:bodyStyle>
+      <a:lvl1pPr marL="228600" indent="-228600" algn="l" defTabSz="914400" rtl="0" eaLnBrk="1" latinLnBrk="0" hangingPunct="1">
+        <a:lnSpc>
+          <a:spcPct val="90000"/>
+        </a:lnSpc>
+        <a:spcBef>
+          <a:spcPts val="1000"/>
+        </a:spcBef>
+        <a:buFont typeface="Arial" panose="020B0604020202020204" pitchFamily="34" charset="0"/>
+        <a:buChar char="•"/>
+        <a:defRPr sz="2800" kern="1200">
+          <a:solidFill>
+            <a:schemeClr val="tx1"/>
+          </a:solidFill>
+          <a:latin typeface="+mn-lt"/>
+          <a:ea typeface="+mn-ea"/>
+          <a:cs typeface="+mn-cs"/>
+        </a:defRPr>
+      </a:lvl1pPr>
+      <a:lvl2pPr marL="685800" indent="-228600" algn="l" defTabSz="914400" rtl="0" eaLnBrk="1" latinLnBrk="0" hangingPunct="1">
+        <a:lnSpc>
+          <a:spcPct val="90000"/>
+        </a:lnSpc>
+        <a:spcBef>
+          <a:spcPts val="500"/>
+        </a:spcBef>
+        <a:buFont typeface="Arial" panose="020B0604020202020204" pitchFamily="34" charset="0"/>
+        <a:buChar char="•"/>
+        <a:defRPr sz="2400" kern="1200">
+          <a:solidFill>
+            <a:schemeClr val="tx1"/>
+          </a:solidFill>
+          <a:latin typeface="+mn-lt"/>
+          <a:ea typeface="+mn-ea"/>
+          <a:cs typeface="+mn-cs"/>
+        </a:defRPr>
+      </a:lvl2pPr>
+      <a:lvl3pPr marL="1143000" indent="-228600" algn="l" defTabSz="914400" rtl="0" eaLnBrk="1" latinLnBrk="0" hangingPunct="1">
+        <a:lnSpc>
+          <a:spcPct val="90000"/>
+        </a:lnSpc>
+        <a:spcBef>
+          <a:spcPts val="500"/>
+        </a:spcBef>
+        <a:buFont typeface="Arial" panose="020B0604020202020204" pitchFamily="34" charset="0"/>
+        <a:buChar char="•"/>
+        <a:defRPr sz="2000" kern="1200">
+          <a:solidFill>
+            <a:schemeClr val="tx1"/>
+          </a:solidFill>
+          <a:latin typeface="+mn-lt"/>
+          <a:ea typeface="+mn-ea"/>
+          <a:cs typeface="+mn-cs"/>
+        </a:defRPr>
+      </a:lvl3pPr>
+      <a:lvl4pPr marL="1600200" indent="-228600" algn="l" defTabSz="914400" rtl="0" eaLnBrk="1" latinLnBrk="0" hangingPunct="1">
+        <a:lnSpc>
+          <a:spcPct val="90000"/>
+        </a:lnSpc>
+        <a:spcBef>
+          <a:spcPts val="500"/>
+        </a:spcBef>
+        <a:buFont typeface="Arial" panose="020B0604020202020204" pitchFamily="34" charset="0"/>
+        <a:buChar char="•"/>
+        <a:defRPr sz="1800" kern="1200">
+          <a:solidFill>
+            <a:schemeClr val="tx1"/>
+          </a:solidFill>
+          <a:latin typeface="+mn-lt"/>
+          <a:ea typeface="+mn-ea"/>
+          <a:cs typeface="+mn-cs"/>
+        </a:defRPr>
+      </a:lvl4pPr>
+      <a:lvl5pPr marL="2057400" indent="-228600" algn="l" defTabSz="914400" rtl="0" eaLnBrk="1" latinLnBrk="0" hangingPunct="1">
+        <a:lnSpc>
+          <a:spcPct val="90000"/>
+        </a:lnSpc>
+        <a:spcBef>
+          <a:spcPts val="500"/>
+        </a:spcBef>
+        <a:buFont typeface="Arial" panose="020B0604020202020204" pitchFamily="34" charset="0"/>
+        <a:buChar char="•"/>
+        <a:defRPr sz="1800" kern="1200">
+          <a:solidFill>
+            <a:schemeClr val="tx1"/>
+          </a:solidFill>
+          <a:latin typeface="+mn-lt"/>
+          <a:ea typeface="+mn-ea"/>
+          <a:cs typeface="+mn-cs"/>
+        </a:defRPr>
+      </a:lvl5pPr>
+      <a:lvl6pPr marL="2514600" indent="-228600" algn="l" defTabSz="914400" rtl="0" eaLnBrk="1" latinLnBrk="0" hangingPunct="1">
+        <a:lnSpc>
+          <a:spcPct val="90000"/>
+        </a:lnSpc>
+        <a:spcBef>
+          <a:spcPts val="500"/>
+        </a:spcBef>
+        <a:buFont typeface="Arial" panose="020B0604020202020204" pitchFamily="34" charset="0"/>
+        <a:buChar char="•"/>
+        <a:defRPr sz="1800" kern="1200">
+          <a:solidFill>
+            <a:schemeClr val="tx1"/>
+          </a:solidFill>
+          <a:latin typeface="+mn-lt"/>
+          <a:ea typeface="+mn-ea"/>
+          <a:cs typeface="+mn-cs"/>
+        </a:defRPr>
+      </a:lvl6pPr>
+      <a:lvl7pPr marL="2971800" indent="-228600" algn="l" defTabSz="914400" rtl="0" eaLnBrk="1" latinLnBrk="0" hangingPunct="1">
+        <a:lnSpc>
+          <a:spcPct val="90000"/>
+        </a:lnSpc>
+        <a:spcBef>
+          <a:spcPts val="500"/>
+        </a:spcBef>
+        <a:buFont typeface="Arial" panose="020B0604020202020204" pitchFamily="34" charset="0"/>
+        <a:buChar char="•"/>
+        <a:defRPr sz="1800" kern="1200">
+          <a:solidFill>
+            <a:schemeClr val="tx1"/>
+          </a:solidFill>
+          <a:latin typeface="+mn-lt"/>
+          <a:ea typeface="+mn-ea"/>
+          <a:cs typeface="+mn-cs"/>
+        </a:defRPr>
+      </a:lvl7pPr>
+      <a:lvl8pPr marL="3429000" indent="-228600" algn="l" defTabSz="914400" rtl="0" eaLnBrk="1" latinLnBrk="0" hangingPunct="1">
+        <a:lnSpc>
+          <a:spcPct val="90000"/>
+        </a:lnSpc>
+        <a:spcBef>
+          <a:spcPts val="500"/>
+        </a:spcBef>
+        <a:buFont typeface="Arial" panose="020B0604020202020204" pitchFamily="34" charset="0"/>
+        <a:buChar char="•"/>
+        <a:defRPr sz="1800" kern="1200">
+          <a:solidFill>
+            <a:schemeClr val="tx1"/>
+          </a:solidFill>
+          <a:latin typeface="+mn-lt"/>
+          <a:ea typeface="+mn-ea"/>
+          <a:cs typeface="+mn-cs"/>
+        </a:defRPr>
+      </a:lvl8pPr>
+      <a:lvl9pPr marL="3886200" indent="-228600" algn="l" defTabSz="914400" rtl="0" eaLnBrk="1" latinLnBrk="0" hangingPunct="1">
+        <a:lnSpc>
+          <a:spcPct val="90000"/>
+        </a:lnSpc>
+        <a:spcBef>
+          <a:spcPts val="500"/>
+        </a:spcBef>
+        <a:buFont typeface="Arial" panose="020B0604020202020204" pitchFamily="34" charset="0"/>
+        <a:buChar char="•"/>
+        <a:defRPr sz="1800" kern="1200">
+          <a:solidFill>
+            <a:schemeClr val="tx1"/>
+          </a:solidFill>
+          <a:latin typeface="+mn-lt"/>
+          <a:ea typeface="+mn-ea"/>
+          <a:cs typeface="+mn-cs"/>
+        </a:defRPr>
+      </a:lvl9pPr>
+    </p:bodyStyle>
+    <p:otherStyle>
+      <a:defPPr>
+        <a:defRPr lang="zh-CN"/>
+      </a:defPPr>
+      <a:lvl1pPr marL="0" algn="l" defTabSz="914400" rtl="0" eaLnBrk="1" latinLnBrk="0" hangingPunct="1">
+        <a:defRPr sz="1800" kern="1200">
+          <a:solidFill>
+            <a:schemeClr val="tx1"/>
+          </a:solidFill>
+          <a:latin typeface="+mn-lt"/>
+          <a:ea typeface="+mn-ea"/>
+          <a:cs typeface="+mn-cs"/>
+        </a:defRPr>
+      </a:lvl1pPr>
+      <a:lvl2pPr marL="457200" algn="l" defTabSz="914400" rtl="0" eaLnBrk="1" latinLnBrk="0" hangingPunct="1">
+        <a:defRPr sz="1800" kern="1200">
+          <a:solidFill>
+            <a:schemeClr val="tx1"/>
+          </a:solidFill>
+          <a:latin typeface="+mn-lt"/>
+          <a:ea typeface="+mn-ea"/>
+          <a:cs typeface="+mn-cs"/>
+        </a:defRPr>
+      </a:lvl2pPr>
+      <a:lvl3pPr marL="914400" algn="l" defTabSz="914400" rtl="0" eaLnBrk="1" latinLnBrk="0" hangingPunct="1">
+        <a:defRPr sz="1800" kern="1200">
+          <a:solidFill>
+            <a:schemeClr val="tx1"/>
+          </a:solidFill>
+          <a:latin typeface="+mn-lt"/>
+          <a:ea typeface="+mn-ea"/>
+          <a:cs typeface="+mn-cs"/>
+        </a:defRPr>
+      </a:lvl3pPr>
+      <a:lvl4pPr marL="1371600" algn="l" defTabSz="914400" rtl="0" eaLnBrk="1" latinLnBrk="0" hangingPunct="1">
+        <a:defRPr sz="1800" kern="1200">
+          <a:solidFill>
+            <a:schemeClr val="tx1"/>
+          </a:solidFill>
+          <a:latin typeface="+mn-lt"/>
+          <a:ea typeface="+mn-ea"/>
+          <a:cs typeface="+mn-cs"/>
+        </a:defRPr>
+      </a:lvl4pPr>
+      <a:lvl5pPr marL="1828800" algn="l" defTabSz="914400" rtl="0" eaLnBrk="1" latinLnBrk="0" hangingPunct="1">
+        <a:defRPr sz="1800" kern="1200">
+          <a:solidFill>
+            <a:schemeClr val="tx1"/>
+          </a:solidFill>
+          <a:latin typeface="+mn-lt"/>
+          <a:ea typeface="+mn-ea"/>
+          <a:cs typeface="+mn-cs"/>
+        </a:defRPr>
+      </a:lvl5pPr>
+      <a:lvl6pPr marL="2286000" algn="l" defTabSz="914400" rtl="0" eaLnBrk="1" latinLnBrk="0" hangingPunct="1">
+        <a:defRPr sz="1800" kern="1200">
+          <a:solidFill>
+            <a:schemeClr val="tx1"/>
+          </a:solidFill>
+          <a:latin typeface="+mn-lt"/>
+          <a:ea typeface="+mn-ea"/>
+          <a:cs typeface="+mn-cs"/>
+        </a:defRPr>
+      </a:lvl6pPr>
+      <a:lvl7pPr marL="2743200" algn="l" defTabSz="914400" rtl="0" eaLnBrk="1" latinLnBrk="0" hangingPunct="1">
+        <a:defRPr sz="1800" kern="1200">
+          <a:solidFill>
+            <a:schemeClr val="tx1"/>
+          </a:solidFill>
+          <a:latin typeface="+mn-lt"/>
+          <a:ea typeface="+mn-ea"/>
+          <a:cs typeface="+mn-cs"/>
+        </a:defRPr>
+      </a:lvl7pPr>
+      <a:lvl8pPr marL="3200400" algn="l" defTabSz="914400" rtl="0" eaLnBrk="1" latinLnBrk="0" hangingPunct="1">
+        <a:defRPr sz="1800" kern="1200">
+          <a:solidFill>
+            <a:schemeClr val="tx1"/>
+          </a:solidFill>
+          <a:latin typeface="+mn-lt"/>
+          <a:ea typeface="+mn-ea"/>
+          <a:cs typeface="+mn-cs"/>
+        </a:defRPr>
+      </a:lvl8pPr>
+      <a:lvl9pPr marL="3657600" algn="l" defTabSz="914400" rtl="0" eaLnBrk="1" latinLnBrk="0" hangingPunct="1">
+        <a:defRPr sz="1800" kern="1200">
+          <a:solidFill>
+            <a:schemeClr val="tx1"/>
+          </a:solidFill>
+          <a:latin typeface="+mn-lt"/>
+          <a:ea typeface="+mn-ea"/>
+          <a:cs typeface="+mn-cs"/>
         </a:defRPr>
       </a:lvl9pPr>
     </p:otherStyle>
@@ -2599,4 +3965,112 @@
   <a:objectDefaults/>
   <a:extraClrSchemeLst/>
 </a:theme>
+</file>
+
+<file path=ppt/theme/theme2.xml><?xml version="1.0" encoding="utf-8"?>
+<a:theme xmlns:a="http://schemas.openxmlformats.org/drawingml/2006/main" name="Office">
+  <a:themeElements>
+    <a:clrScheme name="LibreOffice">
+      <a:dk1>
+        <a:srgbClr val="000000"/>
+      </a:dk1>
+      <a:lt1>
+        <a:srgbClr val="FFFFFF"/>
+      </a:lt1>
+      <a:dk2>
+        <a:srgbClr val="000000"/>
+      </a:dk2>
+      <a:lt2>
+        <a:srgbClr val="FFFFFF"/>
+      </a:lt2>
+      <a:accent1>
+        <a:srgbClr val="18A303"/>
+      </a:accent1>
+      <a:accent2>
+        <a:srgbClr val="0369A3"/>
+      </a:accent2>
+      <a:accent3>
+        <a:srgbClr val="A33E03"/>
+      </a:accent3>
+      <a:accent4>
+        <a:srgbClr val="8E03A3"/>
+      </a:accent4>
+      <a:accent5>
+        <a:srgbClr val="C99C00"/>
+      </a:accent5>
+      <a:accent6>
+        <a:srgbClr val="C9211E"/>
+      </a:accent6>
+      <a:hlink>
+        <a:srgbClr val="0000EE"/>
+      </a:hlink>
+      <a:folHlink>
+        <a:srgbClr val="551A8B"/>
+      </a:folHlink>
+    </a:clrScheme>
+    <a:fontScheme name="Office">
+      <a:majorFont>
+        <a:latin typeface="Arial"/>
+        <a:ea typeface="DejaVu Sans"/>
+        <a:cs typeface="DejaVu Sans"/>
+      </a:majorFont>
+      <a:minorFont>
+        <a:latin typeface="Arial"/>
+        <a:ea typeface="DejaVu Sans"/>
+        <a:cs typeface="DejaVu Sans"/>
+      </a:minorFont>
+    </a:fontScheme>
+    <a:fmtScheme>
+      <a:fillStyleLst>
+        <a:solidFill>
+          <a:schemeClr val="phClr"/>
+        </a:solidFill>
+        <a:solidFill>
+          <a:schemeClr val="phClr"/>
+        </a:solidFill>
+        <a:solidFill>
+          <a:schemeClr val="phClr"/>
+        </a:solidFill>
+      </a:fillStyleLst>
+      <a:lnStyleLst>
+        <a:ln w="6350" cap="flat" cmpd="sng" algn="ctr">
+          <a:prstDash val="solid"/>
+          <a:miter/>
+        </a:ln>
+        <a:ln w="6350" cap="flat" cmpd="sng" algn="ctr">
+          <a:prstDash val="solid"/>
+          <a:miter/>
+        </a:ln>
+        <a:ln w="6350" cap="flat" cmpd="sng" algn="ctr">
+          <a:prstDash val="solid"/>
+          <a:miter/>
+        </a:ln>
+      </a:lnStyleLst>
+      <a:effectStyleLst>
+        <a:effectStyle>
+          <a:effectLst/>
+        </a:effectStyle>
+        <a:effectStyle>
+          <a:effectLst/>
+        </a:effectStyle>
+        <a:effectStyle>
+          <a:effectLst/>
+        </a:effectStyle>
+      </a:effectStyleLst>
+      <a:bgFillStyleLst>
+        <a:solidFill>
+          <a:schemeClr val="phClr"/>
+        </a:solidFill>
+        <a:solidFill>
+          <a:schemeClr val="phClr"/>
+        </a:solidFill>
+        <a:solidFill>
+          <a:schemeClr val="phClr"/>
+        </a:solidFill>
+      </a:bgFillStyleLst>
+    </a:fmtScheme>
+  </a:themeElements>
+  <a:objectDefaults/>
+  <a:extraClrSchemeLst/>
+</a:theme>
 </file>